--- a/Các loại Card mạng trong VMWare .pptx
+++ b/Các loại Card mạng trong VMWare .pptx
@@ -10,10 +10,6 @@
     <p:sldId id="262" r:id="rId4"/>
     <p:sldId id="263" r:id="rId5"/>
     <p:sldId id="264" r:id="rId6"/>
-    <p:sldId id="265" r:id="rId7"/>
-    <p:sldId id="258" r:id="rId8"/>
-    <p:sldId id="259" r:id="rId9"/>
-    <p:sldId id="260" r:id="rId10"/>
   </p:sldIdLst>
   <p:sldSz cx="12192000" cy="6858000"/>
   <p:notesSz cx="6858000" cy="9144000"/>
@@ -112,6 +108,11 @@
       </a:defRPr>
     </a:lvl9pPr>
   </p:defaultTextStyle>
+  <p:extLst>
+    <p:ext uri="{EFAFB233-063F-42B5-8137-9DF3F51BA10A}">
+      <p15:sldGuideLst xmlns:p15="http://schemas.microsoft.com/office/powerpoint/2012/main"/>
+    </p:ext>
+  </p:extLst>
 </p:presentation>
 </file>
 
@@ -262,7 +263,7 @@
           <a:p>
             <a:fld id="{15100F3E-C4BE-4B6C-A961-65E522B85FE5}" type="datetimeFigureOut">
               <a:rPr lang="en-US" smtClean="0"/>
-              <a:t>28/11/2024</a:t>
+              <a:t>29/11/2024</a:t>
             </a:fld>
             <a:endParaRPr lang="en-US"/>
           </a:p>
@@ -460,7 +461,7 @@
           <a:p>
             <a:fld id="{15100F3E-C4BE-4B6C-A961-65E522B85FE5}" type="datetimeFigureOut">
               <a:rPr lang="en-US" smtClean="0"/>
-              <a:t>28/11/2024</a:t>
+              <a:t>29/11/2024</a:t>
             </a:fld>
             <a:endParaRPr lang="en-US"/>
           </a:p>
@@ -668,7 +669,7 @@
           <a:p>
             <a:fld id="{15100F3E-C4BE-4B6C-A961-65E522B85FE5}" type="datetimeFigureOut">
               <a:rPr lang="en-US" smtClean="0"/>
-              <a:t>28/11/2024</a:t>
+              <a:t>29/11/2024</a:t>
             </a:fld>
             <a:endParaRPr lang="en-US"/>
           </a:p>
@@ -866,7 +867,7 @@
           <a:p>
             <a:fld id="{15100F3E-C4BE-4B6C-A961-65E522B85FE5}" type="datetimeFigureOut">
               <a:rPr lang="en-US" smtClean="0"/>
-              <a:t>28/11/2024</a:t>
+              <a:t>29/11/2024</a:t>
             </a:fld>
             <a:endParaRPr lang="en-US"/>
           </a:p>
@@ -1141,7 +1142,7 @@
           <a:p>
             <a:fld id="{15100F3E-C4BE-4B6C-A961-65E522B85FE5}" type="datetimeFigureOut">
               <a:rPr lang="en-US" smtClean="0"/>
-              <a:t>28/11/2024</a:t>
+              <a:t>29/11/2024</a:t>
             </a:fld>
             <a:endParaRPr lang="en-US"/>
           </a:p>
@@ -1406,7 +1407,7 @@
           <a:p>
             <a:fld id="{15100F3E-C4BE-4B6C-A961-65E522B85FE5}" type="datetimeFigureOut">
               <a:rPr lang="en-US" smtClean="0"/>
-              <a:t>28/11/2024</a:t>
+              <a:t>29/11/2024</a:t>
             </a:fld>
             <a:endParaRPr lang="en-US"/>
           </a:p>
@@ -1818,7 +1819,7 @@
           <a:p>
             <a:fld id="{15100F3E-C4BE-4B6C-A961-65E522B85FE5}" type="datetimeFigureOut">
               <a:rPr lang="en-US" smtClean="0"/>
-              <a:t>28/11/2024</a:t>
+              <a:t>29/11/2024</a:t>
             </a:fld>
             <a:endParaRPr lang="en-US"/>
           </a:p>
@@ -1959,7 +1960,7 @@
           <a:p>
             <a:fld id="{15100F3E-C4BE-4B6C-A961-65E522B85FE5}" type="datetimeFigureOut">
               <a:rPr lang="en-US" smtClean="0"/>
-              <a:t>28/11/2024</a:t>
+              <a:t>29/11/2024</a:t>
             </a:fld>
             <a:endParaRPr lang="en-US"/>
           </a:p>
@@ -2072,7 +2073,7 @@
           <a:p>
             <a:fld id="{15100F3E-C4BE-4B6C-A961-65E522B85FE5}" type="datetimeFigureOut">
               <a:rPr lang="en-US" smtClean="0"/>
-              <a:t>28/11/2024</a:t>
+              <a:t>29/11/2024</a:t>
             </a:fld>
             <a:endParaRPr lang="en-US"/>
           </a:p>
@@ -2383,7 +2384,7 @@
           <a:p>
             <a:fld id="{15100F3E-C4BE-4B6C-A961-65E522B85FE5}" type="datetimeFigureOut">
               <a:rPr lang="en-US" smtClean="0"/>
-              <a:t>28/11/2024</a:t>
+              <a:t>29/11/2024</a:t>
             </a:fld>
             <a:endParaRPr lang="en-US"/>
           </a:p>
@@ -2671,7 +2672,7 @@
           <a:p>
             <a:fld id="{15100F3E-C4BE-4B6C-A961-65E522B85FE5}" type="datetimeFigureOut">
               <a:rPr lang="en-US" smtClean="0"/>
-              <a:t>28/11/2024</a:t>
+              <a:t>29/11/2024</a:t>
             </a:fld>
             <a:endParaRPr lang="en-US"/>
           </a:p>
@@ -2912,7 +2913,7 @@
           <a:p>
             <a:fld id="{15100F3E-C4BE-4B6C-A961-65E522B85FE5}" type="datetimeFigureOut">
               <a:rPr lang="en-US" smtClean="0"/>
-              <a:t>28/11/2024</a:t>
+              <a:t>29/11/2024</a:t>
             </a:fld>
             <a:endParaRPr lang="en-US"/>
           </a:p>
@@ -3784,326 +3785,6 @@
 </p:sld>
 </file>
 
-<file path=ppt/slides/slide6.xml><?xml version="1.0" encoding="utf-8"?>
-<p:sld xmlns:a="http://schemas.openxmlformats.org/drawingml/2006/main" xmlns:r="http://schemas.openxmlformats.org/officeDocument/2006/relationships" xmlns:p="http://schemas.openxmlformats.org/presentationml/2006/main">
-  <p:cSld>
-    <p:spTree>
-      <p:nvGrpSpPr>
-        <p:cNvPr id="1" name=""/>
-        <p:cNvGrpSpPr/>
-        <p:nvPr/>
-      </p:nvGrpSpPr>
-      <p:grpSpPr>
-        <a:xfrm>
-          <a:off x="0" y="0"/>
-          <a:ext cx="0" cy="0"/>
-          <a:chOff x="0" y="0"/>
-          <a:chExt cx="0" cy="0"/>
-        </a:xfrm>
-      </p:grpSpPr>
-      <p:sp>
-        <p:nvSpPr>
-          <p:cNvPr id="2" name="Title 1">
-            <a:extLst>
-              <a:ext uri="{FF2B5EF4-FFF2-40B4-BE49-F238E27FC236}">
-                <a16:creationId xmlns:a16="http://schemas.microsoft.com/office/drawing/2014/main" id="{B61C2CC0-9404-43CE-836B-26D86FE44468}"/>
-              </a:ext>
-            </a:extLst>
-          </p:cNvPr>
-          <p:cNvSpPr>
-            <a:spLocks noGrp="1"/>
-          </p:cNvSpPr>
-          <p:nvPr>
-            <p:ph type="title"/>
-          </p:nvPr>
-        </p:nvSpPr>
-        <p:spPr/>
-        <p:txBody>
-          <a:bodyPr/>
-          <a:lstStyle/>
-          <a:p>
-            <a:endParaRPr lang="en-US"/>
-          </a:p>
-        </p:txBody>
-      </p:sp>
-      <p:sp>
-        <p:nvSpPr>
-          <p:cNvPr id="3" name="Content Placeholder 2">
-            <a:extLst>
-              <a:ext uri="{FF2B5EF4-FFF2-40B4-BE49-F238E27FC236}">
-                <a16:creationId xmlns:a16="http://schemas.microsoft.com/office/drawing/2014/main" id="{9D433011-9729-454A-8F61-5473D7AC812B}"/>
-              </a:ext>
-            </a:extLst>
-          </p:cNvPr>
-          <p:cNvSpPr>
-            <a:spLocks noGrp="1"/>
-          </p:cNvSpPr>
-          <p:nvPr>
-            <p:ph idx="1"/>
-          </p:nvPr>
-        </p:nvSpPr>
-        <p:spPr/>
-        <p:txBody>
-          <a:bodyPr/>
-          <a:lstStyle/>
-          <a:p>
-            <a:endParaRPr lang="en-US"/>
-          </a:p>
-        </p:txBody>
-      </p:sp>
-    </p:spTree>
-    <p:extLst>
-      <p:ext uri="{BB962C8B-B14F-4D97-AF65-F5344CB8AC3E}">
-        <p14:creationId xmlns:p14="http://schemas.microsoft.com/office/powerpoint/2010/main" val="3228693642"/>
-      </p:ext>
-    </p:extLst>
-  </p:cSld>
-  <p:clrMapOvr>
-    <a:masterClrMapping/>
-  </p:clrMapOvr>
-</p:sld>
-</file>
-
-<file path=ppt/slides/slide7.xml><?xml version="1.0" encoding="utf-8"?>
-<p:sld xmlns:a="http://schemas.openxmlformats.org/drawingml/2006/main" xmlns:r="http://schemas.openxmlformats.org/officeDocument/2006/relationships" xmlns:p="http://schemas.openxmlformats.org/presentationml/2006/main">
-  <p:cSld>
-    <p:spTree>
-      <p:nvGrpSpPr>
-        <p:cNvPr id="1" name=""/>
-        <p:cNvGrpSpPr/>
-        <p:nvPr/>
-      </p:nvGrpSpPr>
-      <p:grpSpPr>
-        <a:xfrm>
-          <a:off x="0" y="0"/>
-          <a:ext cx="0" cy="0"/>
-          <a:chOff x="0" y="0"/>
-          <a:chExt cx="0" cy="0"/>
-        </a:xfrm>
-      </p:grpSpPr>
-      <p:sp>
-        <p:nvSpPr>
-          <p:cNvPr id="2" name="Title 1">
-            <a:extLst>
-              <a:ext uri="{FF2B5EF4-FFF2-40B4-BE49-F238E27FC236}">
-                <a16:creationId xmlns:a16="http://schemas.microsoft.com/office/drawing/2014/main" id="{B9F8E650-11D4-440B-BAD4-2D65090FF1B3}"/>
-              </a:ext>
-            </a:extLst>
-          </p:cNvPr>
-          <p:cNvSpPr>
-            <a:spLocks noGrp="1"/>
-          </p:cNvSpPr>
-          <p:nvPr>
-            <p:ph type="title"/>
-          </p:nvPr>
-        </p:nvSpPr>
-        <p:spPr/>
-        <p:txBody>
-          <a:bodyPr/>
-          <a:lstStyle/>
-          <a:p>
-            <a:endParaRPr lang="en-US"/>
-          </a:p>
-        </p:txBody>
-      </p:sp>
-      <p:sp>
-        <p:nvSpPr>
-          <p:cNvPr id="3" name="Content Placeholder 2">
-            <a:extLst>
-              <a:ext uri="{FF2B5EF4-FFF2-40B4-BE49-F238E27FC236}">
-                <a16:creationId xmlns:a16="http://schemas.microsoft.com/office/drawing/2014/main" id="{27CABEF0-269D-4459-8246-F76EEC5BAEB2}"/>
-              </a:ext>
-            </a:extLst>
-          </p:cNvPr>
-          <p:cNvSpPr>
-            <a:spLocks noGrp="1"/>
-          </p:cNvSpPr>
-          <p:nvPr>
-            <p:ph idx="1"/>
-          </p:nvPr>
-        </p:nvSpPr>
-        <p:spPr/>
-        <p:txBody>
-          <a:bodyPr/>
-          <a:lstStyle/>
-          <a:p>
-            <a:endParaRPr lang="en-US"/>
-          </a:p>
-        </p:txBody>
-      </p:sp>
-    </p:spTree>
-    <p:extLst>
-      <p:ext uri="{BB962C8B-B14F-4D97-AF65-F5344CB8AC3E}">
-        <p14:creationId xmlns:p14="http://schemas.microsoft.com/office/powerpoint/2010/main" val="223111329"/>
-      </p:ext>
-    </p:extLst>
-  </p:cSld>
-  <p:clrMapOvr>
-    <a:masterClrMapping/>
-  </p:clrMapOvr>
-</p:sld>
-</file>
-
-<file path=ppt/slides/slide8.xml><?xml version="1.0" encoding="utf-8"?>
-<p:sld xmlns:a="http://schemas.openxmlformats.org/drawingml/2006/main" xmlns:r="http://schemas.openxmlformats.org/officeDocument/2006/relationships" xmlns:p="http://schemas.openxmlformats.org/presentationml/2006/main">
-  <p:cSld>
-    <p:spTree>
-      <p:nvGrpSpPr>
-        <p:cNvPr id="1" name=""/>
-        <p:cNvGrpSpPr/>
-        <p:nvPr/>
-      </p:nvGrpSpPr>
-      <p:grpSpPr>
-        <a:xfrm>
-          <a:off x="0" y="0"/>
-          <a:ext cx="0" cy="0"/>
-          <a:chOff x="0" y="0"/>
-          <a:chExt cx="0" cy="0"/>
-        </a:xfrm>
-      </p:grpSpPr>
-      <p:sp>
-        <p:nvSpPr>
-          <p:cNvPr id="2" name="Title 1">
-            <a:extLst>
-              <a:ext uri="{FF2B5EF4-FFF2-40B4-BE49-F238E27FC236}">
-                <a16:creationId xmlns:a16="http://schemas.microsoft.com/office/drawing/2014/main" id="{5FD40406-7605-4916-A31B-83D5F546068E}"/>
-              </a:ext>
-            </a:extLst>
-          </p:cNvPr>
-          <p:cNvSpPr>
-            <a:spLocks noGrp="1"/>
-          </p:cNvSpPr>
-          <p:nvPr>
-            <p:ph type="title"/>
-          </p:nvPr>
-        </p:nvSpPr>
-        <p:spPr/>
-        <p:txBody>
-          <a:bodyPr/>
-          <a:lstStyle/>
-          <a:p>
-            <a:endParaRPr lang="en-US"/>
-          </a:p>
-        </p:txBody>
-      </p:sp>
-      <p:sp>
-        <p:nvSpPr>
-          <p:cNvPr id="3" name="Content Placeholder 2">
-            <a:extLst>
-              <a:ext uri="{FF2B5EF4-FFF2-40B4-BE49-F238E27FC236}">
-                <a16:creationId xmlns:a16="http://schemas.microsoft.com/office/drawing/2014/main" id="{B79C2E06-7BFC-47D1-B37C-91A576E751C4}"/>
-              </a:ext>
-            </a:extLst>
-          </p:cNvPr>
-          <p:cNvSpPr>
-            <a:spLocks noGrp="1"/>
-          </p:cNvSpPr>
-          <p:nvPr>
-            <p:ph idx="1"/>
-          </p:nvPr>
-        </p:nvSpPr>
-        <p:spPr/>
-        <p:txBody>
-          <a:bodyPr/>
-          <a:lstStyle/>
-          <a:p>
-            <a:endParaRPr lang="en-US"/>
-          </a:p>
-        </p:txBody>
-      </p:sp>
-    </p:spTree>
-    <p:extLst>
-      <p:ext uri="{BB962C8B-B14F-4D97-AF65-F5344CB8AC3E}">
-        <p14:creationId xmlns:p14="http://schemas.microsoft.com/office/powerpoint/2010/main" val="564689146"/>
-      </p:ext>
-    </p:extLst>
-  </p:cSld>
-  <p:clrMapOvr>
-    <a:masterClrMapping/>
-  </p:clrMapOvr>
-</p:sld>
-</file>
-
-<file path=ppt/slides/slide9.xml><?xml version="1.0" encoding="utf-8"?>
-<p:sld xmlns:a="http://schemas.openxmlformats.org/drawingml/2006/main" xmlns:r="http://schemas.openxmlformats.org/officeDocument/2006/relationships" xmlns:p="http://schemas.openxmlformats.org/presentationml/2006/main">
-  <p:cSld>
-    <p:spTree>
-      <p:nvGrpSpPr>
-        <p:cNvPr id="1" name=""/>
-        <p:cNvGrpSpPr/>
-        <p:nvPr/>
-      </p:nvGrpSpPr>
-      <p:grpSpPr>
-        <a:xfrm>
-          <a:off x="0" y="0"/>
-          <a:ext cx="0" cy="0"/>
-          <a:chOff x="0" y="0"/>
-          <a:chExt cx="0" cy="0"/>
-        </a:xfrm>
-      </p:grpSpPr>
-      <p:sp>
-        <p:nvSpPr>
-          <p:cNvPr id="2" name="Title 1">
-            <a:extLst>
-              <a:ext uri="{FF2B5EF4-FFF2-40B4-BE49-F238E27FC236}">
-                <a16:creationId xmlns:a16="http://schemas.microsoft.com/office/drawing/2014/main" id="{C125F42D-518E-4BA2-B4AA-14446F646A90}"/>
-              </a:ext>
-            </a:extLst>
-          </p:cNvPr>
-          <p:cNvSpPr>
-            <a:spLocks noGrp="1"/>
-          </p:cNvSpPr>
-          <p:nvPr>
-            <p:ph type="title"/>
-          </p:nvPr>
-        </p:nvSpPr>
-        <p:spPr/>
-        <p:txBody>
-          <a:bodyPr/>
-          <a:lstStyle/>
-          <a:p>
-            <a:endParaRPr lang="en-US"/>
-          </a:p>
-        </p:txBody>
-      </p:sp>
-      <p:sp>
-        <p:nvSpPr>
-          <p:cNvPr id="3" name="Content Placeholder 2">
-            <a:extLst>
-              <a:ext uri="{FF2B5EF4-FFF2-40B4-BE49-F238E27FC236}">
-                <a16:creationId xmlns:a16="http://schemas.microsoft.com/office/drawing/2014/main" id="{A3EAA353-A8F3-4EAC-AC29-32D4C30CC2BE}"/>
-              </a:ext>
-            </a:extLst>
-          </p:cNvPr>
-          <p:cNvSpPr>
-            <a:spLocks noGrp="1"/>
-          </p:cNvSpPr>
-          <p:nvPr>
-            <p:ph idx="1"/>
-          </p:nvPr>
-        </p:nvSpPr>
-        <p:spPr/>
-        <p:txBody>
-          <a:bodyPr/>
-          <a:lstStyle/>
-          <a:p>
-            <a:endParaRPr lang="en-US"/>
-          </a:p>
-        </p:txBody>
-      </p:sp>
-    </p:spTree>
-    <p:extLst>
-      <p:ext uri="{BB962C8B-B14F-4D97-AF65-F5344CB8AC3E}">
-        <p14:creationId xmlns:p14="http://schemas.microsoft.com/office/powerpoint/2010/main" val="3629664092"/>
-      </p:ext>
-    </p:extLst>
-  </p:cSld>
-  <p:clrMapOvr>
-    <a:masterClrMapping/>
-  </p:clrMapOvr>
-</p:sld>
-</file>
-
 <file path=ppt/theme/theme1.xml><?xml version="1.0" encoding="utf-8"?>
 <a:theme xmlns:a="http://schemas.openxmlformats.org/drawingml/2006/main" name="Office Theme">
   <a:themeElements>
